--- a/contents/2020_ITinerary/assets/session_2/labsession.pptx
+++ b/contents/2020_ITinerary/assets/session_2/labsession.pptx
@@ -591,6 +591,434 @@
 </p:notes>
 </file>
 
+<file path=ppt/notesSlides/notesSlide10.xml><?xml version="1.0" encoding="utf-8"?>
+<p:notes xmlns:a="http://schemas.openxmlformats.org/drawingml/2006/main" xmlns:r="http://schemas.openxmlformats.org/officeDocument/2006/relationships" xmlns:p="http://schemas.openxmlformats.org/presentationml/2006/main">
+  <p:cSld>
+    <p:spTree>
+      <p:nvGrpSpPr>
+        <p:cNvPr id="1" name=""/>
+        <p:cNvGrpSpPr/>
+        <p:nvPr/>
+      </p:nvGrpSpPr>
+      <p:grpSpPr>
+        <a:xfrm>
+          <a:off x="0" y="0"/>
+          <a:ext cx="0" cy="0"/>
+          <a:chOff x="0" y="0"/>
+          <a:chExt cx="0" cy="0"/>
+        </a:xfrm>
+      </p:grpSpPr>
+      <p:sp>
+        <p:nvSpPr>
+          <p:cNvPr id="2" name="Slide Image Placeholder 1"/>
+          <p:cNvSpPr>
+            <a:spLocks noGrp="1" noRot="1" noChangeAspect="1"/>
+          </p:cNvSpPr>
+          <p:nvPr>
+            <p:ph type="sldImg"/>
+          </p:nvPr>
+        </p:nvSpPr>
+        <p:spPr/>
+      </p:sp>
+      <p:sp>
+        <p:nvSpPr>
+          <p:cNvPr id="3" name="Notes Placeholder 2"/>
+          <p:cNvSpPr>
+            <a:spLocks noGrp="1"/>
+          </p:cNvSpPr>
+          <p:nvPr>
+            <p:ph type="body" idx="1"/>
+          </p:nvPr>
+        </p:nvSpPr>
+        <p:spPr/>
+        <p:txBody>
+          <a:bodyPr/>
+          <a:lstStyle/>
+          <a:p>
+            <a:r>
+              <a:rPr lang="en-US" altLang="ko-KR"/>
+              <a:t>I already implement the server for socketmon</a:t>
+            </a:r>
+          </a:p>
+          <a:p>
+            <a:r>
+              <a:rPr lang="en-US" altLang="ko-KR"/>
+              <a:t>so you only need to make clienet</a:t>
+            </a:r>
+          </a:p>
+          <a:p>
+            <a:endParaRPr lang="en-US" altLang="ko-KR"/>
+          </a:p>
+          <a:p>
+            <a:r>
+              <a:rPr lang="en-US" altLang="ko-KR"/>
+              <a:t>your client should send some message lucky or Normal. And note that, be caustios of capitalization</a:t>
+            </a:r>
+          </a:p>
+          <a:p>
+            <a:r>
+              <a:rPr lang="en-US" altLang="ko-KR"/>
+              <a:t>the first letter is uppercase</a:t>
+            </a:r>
+          </a:p>
+          <a:p>
+            <a:r>
+              <a:rPr lang="en-US" altLang="ko-KR"/>
+              <a:t>anyway, after sending message, you should receive some message from the server.</a:t>
+            </a:r>
+          </a:p>
+          <a:p>
+            <a:r>
+              <a:rPr lang="en-US" altLang="ko-KR"/>
+              <a:t>THen you can get some message, about the ccurent HP</a:t>
+            </a:r>
+          </a:p>
+          <a:p>
+            <a:endParaRPr lang="en-US" altLang="ko-KR"/>
+          </a:p>
+          <a:p>
+            <a:r>
+              <a:rPr lang="en-US" altLang="ko-KR"/>
+              <a:t>That’s for all.</a:t>
+            </a:r>
+          </a:p>
+          <a:p>
+            <a:r>
+              <a:rPr lang="en-US" altLang="ko-KR"/>
+              <a:t>We will make the client together, but it will be very simple and naïve way. because it is just a sample solution!</a:t>
+            </a:r>
+          </a:p>
+          <a:p>
+            <a:r>
+              <a:rPr lang="en-US" altLang="ko-KR"/>
+              <a:t>so you should make your own optimal solution to raid socketmon quickly </a:t>
+            </a:r>
+          </a:p>
+          <a:p>
+            <a:endParaRPr lang="en-US" altLang="ko-KR"/>
+          </a:p>
+        </p:txBody>
+      </p:sp>
+      <p:sp>
+        <p:nvSpPr>
+          <p:cNvPr id="4" name="Slide Number Placeholder 3"/>
+          <p:cNvSpPr>
+            <a:spLocks noGrp="1"/>
+          </p:cNvSpPr>
+          <p:nvPr>
+            <p:ph type="sldNum" sz="quarter" idx="5"/>
+          </p:nvPr>
+        </p:nvSpPr>
+        <p:spPr/>
+        <p:txBody>
+          <a:bodyPr/>
+          <a:lstStyle/>
+          <a:p>
+            <a:fld id="{A248A177-227F-4E2F-A815-394152F0E3B8}" type="slidenum">
+              <a:rPr lang="ko-KR" altLang="en-US" smtClean="0"/>
+              <a:t>10</a:t>
+            </a:fld>
+            <a:endParaRPr lang="ko-KR" altLang="en-US"/>
+          </a:p>
+        </p:txBody>
+      </p:sp>
+    </p:spTree>
+    <p:extLst>
+      <p:ext uri="{BB962C8B-B14F-4D97-AF65-F5344CB8AC3E}">
+        <p14:creationId xmlns:p14="http://schemas.microsoft.com/office/powerpoint/2010/main" val="490006466"/>
+      </p:ext>
+    </p:extLst>
+  </p:cSld>
+  <p:clrMapOvr>
+    <a:masterClrMapping/>
+  </p:clrMapOvr>
+</p:notes>
+</file>
+
+<file path=ppt/notesSlides/notesSlide11.xml><?xml version="1.0" encoding="utf-8"?>
+<p:notes xmlns:a="http://schemas.openxmlformats.org/drawingml/2006/main" xmlns:r="http://schemas.openxmlformats.org/officeDocument/2006/relationships" xmlns:p="http://schemas.openxmlformats.org/presentationml/2006/main">
+  <p:cSld>
+    <p:spTree>
+      <p:nvGrpSpPr>
+        <p:cNvPr id="1" name=""/>
+        <p:cNvGrpSpPr/>
+        <p:nvPr/>
+      </p:nvGrpSpPr>
+      <p:grpSpPr>
+        <a:xfrm>
+          <a:off x="0" y="0"/>
+          <a:ext cx="0" cy="0"/>
+          <a:chOff x="0" y="0"/>
+          <a:chExt cx="0" cy="0"/>
+        </a:xfrm>
+      </p:grpSpPr>
+      <p:sp>
+        <p:nvSpPr>
+          <p:cNvPr id="2" name="Slide Image Placeholder 1"/>
+          <p:cNvSpPr>
+            <a:spLocks noGrp="1" noRot="1" noChangeAspect="1"/>
+          </p:cNvSpPr>
+          <p:nvPr>
+            <p:ph type="sldImg"/>
+          </p:nvPr>
+        </p:nvSpPr>
+        <p:spPr/>
+      </p:sp>
+      <p:sp>
+        <p:nvSpPr>
+          <p:cNvPr id="3" name="Notes Placeholder 2"/>
+          <p:cNvSpPr>
+            <a:spLocks noGrp="1"/>
+          </p:cNvSpPr>
+          <p:nvPr>
+            <p:ph type="body" idx="1"/>
+          </p:nvPr>
+        </p:nvSpPr>
+        <p:spPr/>
+        <p:txBody>
+          <a:bodyPr/>
+          <a:lstStyle/>
+          <a:p>
+            <a:r>
+              <a:rPr lang="en-US" altLang="ko-KR"/>
+              <a:t>In this lab session, I will show the current status, in realtime</a:t>
+            </a:r>
+            <a:endParaRPr lang="ko-KR" altLang="en-US"/>
+          </a:p>
+        </p:txBody>
+      </p:sp>
+      <p:sp>
+        <p:nvSpPr>
+          <p:cNvPr id="4" name="Slide Number Placeholder 3"/>
+          <p:cNvSpPr>
+            <a:spLocks noGrp="1"/>
+          </p:cNvSpPr>
+          <p:nvPr>
+            <p:ph type="sldNum" sz="quarter" idx="5"/>
+          </p:nvPr>
+        </p:nvSpPr>
+        <p:spPr/>
+        <p:txBody>
+          <a:bodyPr/>
+          <a:lstStyle/>
+          <a:p>
+            <a:fld id="{A248A177-227F-4E2F-A815-394152F0E3B8}" type="slidenum">
+              <a:rPr lang="ko-KR" altLang="en-US" smtClean="0"/>
+              <a:t>11</a:t>
+            </a:fld>
+            <a:endParaRPr lang="ko-KR" altLang="en-US"/>
+          </a:p>
+        </p:txBody>
+      </p:sp>
+    </p:spTree>
+    <p:extLst>
+      <p:ext uri="{BB962C8B-B14F-4D97-AF65-F5344CB8AC3E}">
+        <p14:creationId xmlns:p14="http://schemas.microsoft.com/office/powerpoint/2010/main" val="2190102282"/>
+      </p:ext>
+    </p:extLst>
+  </p:cSld>
+  <p:clrMapOvr>
+    <a:masterClrMapping/>
+  </p:clrMapOvr>
+</p:notes>
+</file>
+
+<file path=ppt/notesSlides/notesSlide12.xml><?xml version="1.0" encoding="utf-8"?>
+<p:notes xmlns:a="http://schemas.openxmlformats.org/drawingml/2006/main" xmlns:r="http://schemas.openxmlformats.org/officeDocument/2006/relationships" xmlns:p="http://schemas.openxmlformats.org/presentationml/2006/main">
+  <p:cSld>
+    <p:spTree>
+      <p:nvGrpSpPr>
+        <p:cNvPr id="1" name=""/>
+        <p:cNvGrpSpPr/>
+        <p:nvPr/>
+      </p:nvGrpSpPr>
+      <p:grpSpPr>
+        <a:xfrm>
+          <a:off x="0" y="0"/>
+          <a:ext cx="0" cy="0"/>
+          <a:chOff x="0" y="0"/>
+          <a:chExt cx="0" cy="0"/>
+        </a:xfrm>
+      </p:grpSpPr>
+      <p:sp>
+        <p:nvSpPr>
+          <p:cNvPr id="2" name="Slide Image Placeholder 1"/>
+          <p:cNvSpPr>
+            <a:spLocks noGrp="1" noRot="1" noChangeAspect="1"/>
+          </p:cNvSpPr>
+          <p:nvPr>
+            <p:ph type="sldImg"/>
+          </p:nvPr>
+        </p:nvSpPr>
+        <p:spPr/>
+      </p:sp>
+      <p:sp>
+        <p:nvSpPr>
+          <p:cNvPr id="3" name="Notes Placeholder 2"/>
+          <p:cNvSpPr>
+            <a:spLocks noGrp="1"/>
+          </p:cNvSpPr>
+          <p:nvPr>
+            <p:ph type="body" idx="1"/>
+          </p:nvPr>
+        </p:nvSpPr>
+        <p:spPr/>
+        <p:txBody>
+          <a:bodyPr/>
+          <a:lstStyle/>
+          <a:p>
+            <a:r>
+              <a:rPr lang="en-US" altLang="ko-KR"/>
+              <a:t>There is no skeleton code</a:t>
+            </a:r>
+          </a:p>
+          <a:p>
+            <a:r>
+              <a:rPr lang="en-US" altLang="ko-KR"/>
+              <a:t>It is almost same with what we covered just now</a:t>
+            </a:r>
+          </a:p>
+          <a:p>
+            <a:r>
+              <a:rPr lang="en-US" altLang="ko-KR"/>
+              <a:t>also, you can review this, by supplement, and exercise</a:t>
+            </a:r>
+          </a:p>
+          <a:p>
+            <a:endParaRPr lang="en-US" altLang="ko-KR"/>
+          </a:p>
+        </p:txBody>
+      </p:sp>
+      <p:sp>
+        <p:nvSpPr>
+          <p:cNvPr id="4" name="Slide Number Placeholder 3"/>
+          <p:cNvSpPr>
+            <a:spLocks noGrp="1"/>
+          </p:cNvSpPr>
+          <p:nvPr>
+            <p:ph type="sldNum" sz="quarter" idx="5"/>
+          </p:nvPr>
+        </p:nvSpPr>
+        <p:spPr/>
+        <p:txBody>
+          <a:bodyPr/>
+          <a:lstStyle/>
+          <a:p>
+            <a:fld id="{A248A177-227F-4E2F-A815-394152F0E3B8}" type="slidenum">
+              <a:rPr lang="ko-KR" altLang="en-US" smtClean="0"/>
+              <a:t>12</a:t>
+            </a:fld>
+            <a:endParaRPr lang="ko-KR" altLang="en-US"/>
+          </a:p>
+        </p:txBody>
+      </p:sp>
+    </p:spTree>
+    <p:extLst>
+      <p:ext uri="{BB962C8B-B14F-4D97-AF65-F5344CB8AC3E}">
+        <p14:creationId xmlns:p14="http://schemas.microsoft.com/office/powerpoint/2010/main" val="1435324007"/>
+      </p:ext>
+    </p:extLst>
+  </p:cSld>
+  <p:clrMapOvr>
+    <a:masterClrMapping/>
+  </p:clrMapOvr>
+</p:notes>
+</file>
+
+<file path=ppt/notesSlides/notesSlide13.xml><?xml version="1.0" encoding="utf-8"?>
+<p:notes xmlns:a="http://schemas.openxmlformats.org/drawingml/2006/main" xmlns:r="http://schemas.openxmlformats.org/officeDocument/2006/relationships" xmlns:p="http://schemas.openxmlformats.org/presentationml/2006/main">
+  <p:cSld>
+    <p:spTree>
+      <p:nvGrpSpPr>
+        <p:cNvPr id="1" name=""/>
+        <p:cNvGrpSpPr/>
+        <p:nvPr/>
+      </p:nvGrpSpPr>
+      <p:grpSpPr>
+        <a:xfrm>
+          <a:off x="0" y="0"/>
+          <a:ext cx="0" cy="0"/>
+          <a:chOff x="0" y="0"/>
+          <a:chExt cx="0" cy="0"/>
+        </a:xfrm>
+      </p:grpSpPr>
+      <p:sp>
+        <p:nvSpPr>
+          <p:cNvPr id="2" name="Slide Image Placeholder 1"/>
+          <p:cNvSpPr>
+            <a:spLocks noGrp="1" noRot="1" noChangeAspect="1"/>
+          </p:cNvSpPr>
+          <p:nvPr>
+            <p:ph type="sldImg"/>
+          </p:nvPr>
+        </p:nvSpPr>
+        <p:spPr/>
+      </p:sp>
+      <p:sp>
+        <p:nvSpPr>
+          <p:cNvPr id="3" name="Notes Placeholder 2"/>
+          <p:cNvSpPr>
+            <a:spLocks noGrp="1"/>
+          </p:cNvSpPr>
+          <p:nvPr>
+            <p:ph type="body" idx="1"/>
+          </p:nvPr>
+        </p:nvSpPr>
+        <p:spPr/>
+        <p:txBody>
+          <a:bodyPr/>
+          <a:lstStyle/>
+          <a:p>
+            <a:r>
+              <a:rPr lang="en-US" altLang="ko-KR"/>
+              <a:t>ok then let’s go</a:t>
+            </a:r>
+          </a:p>
+          <a:p>
+            <a:r>
+              <a:rPr lang="en-US" altLang="ko-KR"/>
+              <a:t>When you connect to the server, you can use this IP and port.</a:t>
+            </a:r>
+            <a:endParaRPr lang="ko-KR" altLang="en-US"/>
+          </a:p>
+        </p:txBody>
+      </p:sp>
+      <p:sp>
+        <p:nvSpPr>
+          <p:cNvPr id="4" name="Slide Number Placeholder 3"/>
+          <p:cNvSpPr>
+            <a:spLocks noGrp="1"/>
+          </p:cNvSpPr>
+          <p:nvPr>
+            <p:ph type="sldNum" sz="quarter" idx="5"/>
+          </p:nvPr>
+        </p:nvSpPr>
+        <p:spPr/>
+        <p:txBody>
+          <a:bodyPr/>
+          <a:lstStyle/>
+          <a:p>
+            <a:fld id="{A248A177-227F-4E2F-A815-394152F0E3B8}" type="slidenum">
+              <a:rPr lang="ko-KR" altLang="en-US" smtClean="0"/>
+              <a:t>13</a:t>
+            </a:fld>
+            <a:endParaRPr lang="ko-KR" altLang="en-US"/>
+          </a:p>
+        </p:txBody>
+      </p:sp>
+    </p:spTree>
+    <p:extLst>
+      <p:ext uri="{BB962C8B-B14F-4D97-AF65-F5344CB8AC3E}">
+        <p14:creationId xmlns:p14="http://schemas.microsoft.com/office/powerpoint/2010/main" val="465973368"/>
+      </p:ext>
+    </p:extLst>
+  </p:cSld>
+  <p:clrMapOvr>
+    <a:masterClrMapping/>
+  </p:clrMapOvr>
+</p:notes>
+</file>
+
 <file path=ppt/notesSlides/notesSlide2.xml><?xml version="1.0" encoding="utf-8"?>
 <p:notes xmlns:a="http://schemas.openxmlformats.org/drawingml/2006/main" xmlns:r="http://schemas.openxmlformats.org/officeDocument/2006/relationships" xmlns:p="http://schemas.openxmlformats.org/presentationml/2006/main">
   <p:cSld>
@@ -634,6 +1062,20 @@
         <p:txBody>
           <a:bodyPr/>
           <a:lstStyle/>
+          <a:p>
+            <a:r>
+              <a:rPr lang="en-US" altLang="ko-KR"/>
+              <a:t>We</a:t>
+            </a:r>
+            <a:r>
+              <a:rPr lang="ko-KR" altLang="en-US"/>
+              <a:t> </a:t>
+            </a:r>
+            <a:r>
+              <a:rPr lang="en-US" altLang="ko-KR"/>
+              <a:t>will do only one thing, a mini project, RAID!</a:t>
+            </a:r>
+          </a:p>
           <a:p>
             <a:endParaRPr lang="en-US" altLang="ko-KR"/>
           </a:p>
@@ -807,7 +1249,25 @@
           <a:bodyPr/>
           <a:lstStyle/>
           <a:p>
-            <a:endParaRPr lang="ko-KR" altLang="en-US"/>
+            <a:r>
+              <a:rPr lang="en-US" altLang="ko-KR"/>
+              <a:t>there is very bad monster, SOCKETMON</a:t>
+            </a:r>
+          </a:p>
+          <a:p>
+            <a:r>
+              <a:rPr lang="en-US" altLang="ko-KR"/>
+              <a:t>In this mini-project, you should raid this monster and coordinate with each other.</a:t>
+            </a:r>
+          </a:p>
+          <a:p>
+            <a:endParaRPr lang="en-US" altLang="ko-KR"/>
+          </a:p>
+          <a:p>
+            <a:r>
+              <a:rPr lang="en-US" altLang="ko-KR"/>
+              <a:t>how do we do that?</a:t>
+            </a:r>
           </a:p>
         </p:txBody>
       </p:sp>
@@ -891,6 +1351,12 @@
           <a:bodyPr/>
           <a:lstStyle/>
           <a:p>
+            <a:r>
+              <a:rPr lang="en-US" altLang="ko-KR"/>
+              <a:t>you can attact to socketmon, by sending some message</a:t>
+            </a:r>
+          </a:p>
+          <a:p>
             <a:endParaRPr lang="ko-KR" altLang="en-US"/>
           </a:p>
         </p:txBody>
@@ -975,7 +1441,37 @@
           <a:bodyPr/>
           <a:lstStyle/>
           <a:p>
-            <a:endParaRPr lang="ko-KR" altLang="en-US"/>
+            <a:r>
+              <a:rPr lang="en-US" altLang="ko-KR"/>
+              <a:t>but… only two message will be effective, for attacking socketmon</a:t>
+            </a:r>
+          </a:p>
+          <a:p>
+            <a:r>
+              <a:rPr lang="en-US" altLang="ko-KR"/>
+              <a:t>The message, normal is just a normal attack</a:t>
+            </a:r>
+          </a:p>
+          <a:p>
+            <a:r>
+              <a:rPr lang="en-US" altLang="ko-KR"/>
+              <a:t>you can give a 30 damage to the socketmon</a:t>
+            </a:r>
+          </a:p>
+          <a:p>
+            <a:endParaRPr lang="en-US" altLang="ko-KR"/>
+          </a:p>
+          <a:p>
+            <a:r>
+              <a:rPr lang="en-US" altLang="ko-KR"/>
+              <a:t>and the message, lucky, is a random attack</a:t>
+            </a:r>
+          </a:p>
+          <a:p>
+            <a:r>
+              <a:rPr lang="en-US" altLang="ko-KR"/>
+              <a:t>the damage is like the table, but sometimes you may do SUPER UNLUCKY ATTACK, then you may be died</a:t>
+            </a:r>
           </a:p>
         </p:txBody>
       </p:sp>
@@ -1059,6 +1555,16 @@
           <a:bodyPr/>
           <a:lstStyle/>
           <a:p>
+            <a:r>
+              <a:rPr lang="en-US" altLang="ko-KR"/>
+              <a:t>If you die, the connection is dead.</a:t>
+            </a:r>
+          </a:p>
+          <a:p>
+            <a:r>
+              <a:rPr lang="en-US" altLang="ko-KR"/>
+              <a:t>But it’s okay. just re-run your program.</a:t>
+            </a:r>
             <a:endParaRPr lang="ko-KR" altLang="en-US"/>
           </a:p>
         </p:txBody>
@@ -1143,7 +1649,16 @@
           <a:bodyPr/>
           <a:lstStyle/>
           <a:p>
-            <a:endParaRPr lang="ko-KR" altLang="en-US"/>
+            <a:r>
+              <a:rPr lang="en-US" altLang="ko-KR"/>
+              <a:t>so, our goal is to defeat the socketmon</a:t>
+            </a:r>
+          </a:p>
+          <a:p>
+            <a:r>
+              <a:rPr lang="en-US" altLang="ko-KR"/>
+              <a:t>but its hp, health point is 1 million. oh… it is possible to win?</a:t>
+            </a:r>
           </a:p>
         </p:txBody>
       </p:sp>
@@ -1227,6 +1742,37 @@
           <a:bodyPr/>
           <a:lstStyle/>
           <a:p>
+            <a:r>
+              <a:rPr lang="en-US" altLang="ko-KR"/>
+              <a:t>But, there is a bounus damage.</a:t>
+            </a:r>
+          </a:p>
+          <a:p>
+            <a:r>
+              <a:rPr lang="en-US" altLang="ko-KR"/>
+              <a:t>The more you guys complete the program and connected the socketmon server</a:t>
+            </a:r>
+          </a:p>
+          <a:p>
+            <a:r>
+              <a:rPr lang="en-US" altLang="ko-KR"/>
+              <a:t>the stronger your damage is</a:t>
+            </a:r>
+          </a:p>
+          <a:p>
+            <a:r>
+              <a:rPr lang="en-US" altLang="ko-KR"/>
+              <a:t>If there’s 9 students connected. than your damage become to 3 time</a:t>
+            </a:r>
+          </a:p>
+          <a:p>
+            <a:endParaRPr lang="en-US" altLang="ko-KR"/>
+          </a:p>
+          <a:p>
+            <a:r>
+              <a:rPr lang="en-US" altLang="ko-KR"/>
+              <a:t>So, please help your friend, to defeat SOCKETMON as fast as possible.</a:t>
+            </a:r>
             <a:endParaRPr lang="ko-KR" altLang="en-US"/>
           </a:p>
         </p:txBody>
@@ -1248,7 +1794,7 @@
           <a:p>
             <a:fld id="{A248A177-227F-4E2F-A815-394152F0E3B8}" type="slidenum">
               <a:rPr lang="ko-KR" altLang="en-US" smtClean="0"/>
-              <a:t>12</a:t>
+              <a:t>9</a:t>
             </a:fld>
             <a:endParaRPr lang="ko-KR" altLang="en-US"/>
           </a:p>
@@ -1257,7 +1803,7 @@
     </p:spTree>
     <p:extLst>
       <p:ext uri="{BB962C8B-B14F-4D97-AF65-F5344CB8AC3E}">
-        <p14:creationId xmlns:p14="http://schemas.microsoft.com/office/powerpoint/2010/main" val="1435324007"/>
+        <p14:creationId xmlns:p14="http://schemas.microsoft.com/office/powerpoint/2010/main" val="1196849334"/>
       </p:ext>
     </p:extLst>
   </p:cSld>
@@ -5119,7 +5665,7 @@
           <p:nvPr/>
         </p:nvPicPr>
         <p:blipFill>
-          <a:blip r:embed="rId2"/>
+          <a:blip r:embed="rId3"/>
           <a:stretch>
             <a:fillRect/>
           </a:stretch>
@@ -5338,13 +5884,13 @@
           <a:p>
             <a:r>
               <a:rPr lang="en-US" altLang="ko-KR" b="1"/>
-              <a:t>IP: </a:t>
+              <a:t>IP:  192.168.30.33</a:t>
             </a:r>
           </a:p>
           <a:p>
             <a:r>
               <a:rPr lang="en-US" altLang="ko-KR" b="1"/>
-              <a:t>Port: </a:t>
+              <a:t>Port:  56789</a:t>
             </a:r>
             <a:endParaRPr lang="ko-KR" altLang="en-US" b="1"/>
           </a:p>
@@ -6342,11 +6888,11 @@
   <p:clrMapOvr>
     <a:masterClrMapping/>
   </p:clrMapOvr>
-  <mc:AlternateContent xmlns:mc="http://schemas.openxmlformats.org/markup-compatibility/2006">
-    <mc:Choice xmlns:p14="http://schemas.microsoft.com/office/powerpoint/2010/main" Requires="p14">
+  <mc:AlternateContent xmlns:mc="http://schemas.openxmlformats.org/markup-compatibility/2006" xmlns:p14="http://schemas.microsoft.com/office/powerpoint/2010/main">
+    <mc:Choice Requires="p14">
       <p:transition spd="slow" p14:dur="2000" advTm="24019"/>
     </mc:Choice>
-    <mc:Fallback>
+    <mc:Fallback xmlns="">
       <p:transition spd="slow" advTm="24019"/>
     </mc:Fallback>
   </mc:AlternateContent>
